--- a/3 - On scripts.pptx
+++ b/3 - On scripts.pptx
@@ -246,6 +246,30 @@
       </pc:sldChg>
     </pc:docChg>
   </pc:docChgLst>
+  <pc:docChgLst>
+    <pc:chgData name="Jochen Mariën" userId="a4f8d9ed-3895-4365-b2d5-9432cb8a20d4" providerId="ADAL" clId="{9C707373-82CA-4D54-95AD-D3C868EBEA6B}"/>
+    <pc:docChg chg="modSld">
+      <pc:chgData name="Jochen Mariën" userId="a4f8d9ed-3895-4365-b2d5-9432cb8a20d4" providerId="ADAL" clId="{9C707373-82CA-4D54-95AD-D3C868EBEA6B}" dt="2020-05-14T07:36:10.818" v="16" actId="20577"/>
+      <pc:docMkLst>
+        <pc:docMk/>
+      </pc:docMkLst>
+      <pc:sldChg chg="modSp mod">
+        <pc:chgData name="Jochen Mariën" userId="a4f8d9ed-3895-4365-b2d5-9432cb8a20d4" providerId="ADAL" clId="{9C707373-82CA-4D54-95AD-D3C868EBEA6B}" dt="2020-05-14T07:36:10.818" v="16" actId="20577"/>
+        <pc:sldMkLst>
+          <pc:docMk/>
+          <pc:sldMk cId="888244742" sldId="318"/>
+        </pc:sldMkLst>
+        <pc:spChg chg="mod">
+          <ac:chgData name="Jochen Mariën" userId="a4f8d9ed-3895-4365-b2d5-9432cb8a20d4" providerId="ADAL" clId="{9C707373-82CA-4D54-95AD-D3C868EBEA6B}" dt="2020-05-14T07:36:10.818" v="16" actId="20577"/>
+          <ac:spMkLst>
+            <pc:docMk/>
+            <pc:sldMk cId="888244742" sldId="318"/>
+            <ac:spMk id="3" creationId="{00000000-0000-0000-0000-000000000000}"/>
+          </ac:spMkLst>
+        </pc:spChg>
+      </pc:sldChg>
+    </pc:docChg>
+  </pc:docChgLst>
 </pc:chgInfo>
 </file>
 
@@ -331,7 +355,7 @@
           <a:p>
             <a:fld id="{D44263F0-A5A9-41B6-B682-E0E7AF475E79}" type="datetimeFigureOut">
               <a:rPr lang="nl-BE" smtClean="0"/>
-              <a:t>6/03/2019</a:t>
+              <a:t>14/05/2020</a:t>
             </a:fld>
             <a:endParaRPr lang="nl-BE"/>
           </a:p>
@@ -1583,7 +1607,7 @@
           <a:p>
             <a:fld id="{F47C08B3-015B-44BE-B397-EC898F227802}" type="datetimeFigureOut">
               <a:rPr lang="nl-BE" smtClean="0"/>
-              <a:t>6/03/2019</a:t>
+              <a:t>14/05/2020</a:t>
             </a:fld>
             <a:endParaRPr lang="nl-BE"/>
           </a:p>
@@ -1753,7 +1777,7 @@
           <a:p>
             <a:fld id="{F47C08B3-015B-44BE-B397-EC898F227802}" type="datetimeFigureOut">
               <a:rPr lang="nl-BE" smtClean="0"/>
-              <a:t>6/03/2019</a:t>
+              <a:t>14/05/2020</a:t>
             </a:fld>
             <a:endParaRPr lang="nl-BE"/>
           </a:p>
@@ -1933,7 +1957,7 @@
           <a:p>
             <a:fld id="{F47C08B3-015B-44BE-B397-EC898F227802}" type="datetimeFigureOut">
               <a:rPr lang="nl-BE" smtClean="0"/>
-              <a:t>6/03/2019</a:t>
+              <a:t>14/05/2020</a:t>
             </a:fld>
             <a:endParaRPr lang="nl-BE"/>
           </a:p>
@@ -2447,7 +2471,7 @@
           <a:p>
             <a:fld id="{F47C08B3-015B-44BE-B397-EC898F227802}" type="datetimeFigureOut">
               <a:rPr lang="nl-BE" smtClean="0"/>
-              <a:t>6/03/2019</a:t>
+              <a:t>14/05/2020</a:t>
             </a:fld>
             <a:endParaRPr lang="nl-BE"/>
           </a:p>
@@ -2693,7 +2717,7 @@
           <a:p>
             <a:fld id="{F47C08B3-015B-44BE-B397-EC898F227802}" type="datetimeFigureOut">
               <a:rPr lang="nl-BE" smtClean="0"/>
-              <a:t>6/03/2019</a:t>
+              <a:t>14/05/2020</a:t>
             </a:fld>
             <a:endParaRPr lang="nl-BE"/>
           </a:p>
@@ -2925,7 +2949,7 @@
           <a:p>
             <a:fld id="{F47C08B3-015B-44BE-B397-EC898F227802}" type="datetimeFigureOut">
               <a:rPr lang="nl-BE" smtClean="0"/>
-              <a:t>6/03/2019</a:t>
+              <a:t>14/05/2020</a:t>
             </a:fld>
             <a:endParaRPr lang="nl-BE"/>
           </a:p>
@@ -3292,7 +3316,7 @@
           <a:p>
             <a:fld id="{F47C08B3-015B-44BE-B397-EC898F227802}" type="datetimeFigureOut">
               <a:rPr lang="nl-BE" smtClean="0"/>
-              <a:t>6/03/2019</a:t>
+              <a:t>14/05/2020</a:t>
             </a:fld>
             <a:endParaRPr lang="nl-BE"/>
           </a:p>
@@ -3410,7 +3434,7 @@
           <a:p>
             <a:fld id="{F47C08B3-015B-44BE-B397-EC898F227802}" type="datetimeFigureOut">
               <a:rPr lang="nl-BE" smtClean="0"/>
-              <a:t>6/03/2019</a:t>
+              <a:t>14/05/2020</a:t>
             </a:fld>
             <a:endParaRPr lang="nl-BE"/>
           </a:p>
@@ -3505,7 +3529,7 @@
           <a:p>
             <a:fld id="{F47C08B3-015B-44BE-B397-EC898F227802}" type="datetimeFigureOut">
               <a:rPr lang="nl-BE" smtClean="0"/>
-              <a:t>6/03/2019</a:t>
+              <a:t>14/05/2020</a:t>
             </a:fld>
             <a:endParaRPr lang="nl-BE"/>
           </a:p>
@@ -3782,7 +3806,7 @@
           <a:p>
             <a:fld id="{F47C08B3-015B-44BE-B397-EC898F227802}" type="datetimeFigureOut">
               <a:rPr lang="nl-BE" smtClean="0"/>
-              <a:t>6/03/2019</a:t>
+              <a:t>14/05/2020</a:t>
             </a:fld>
             <a:endParaRPr lang="nl-BE"/>
           </a:p>
@@ -4039,7 +4063,7 @@
           <a:p>
             <a:fld id="{F47C08B3-015B-44BE-B397-EC898F227802}" type="datetimeFigureOut">
               <a:rPr lang="nl-BE" smtClean="0"/>
-              <a:t>6/03/2019</a:t>
+              <a:t>14/05/2020</a:t>
             </a:fld>
             <a:endParaRPr lang="nl-BE"/>
           </a:p>
@@ -4252,7 +4276,7 @@
           <a:p>
             <a:fld id="{F47C08B3-015B-44BE-B397-EC898F227802}" type="datetimeFigureOut">
               <a:rPr lang="nl-BE" smtClean="0"/>
-              <a:t>6/03/2019</a:t>
+              <a:t>14/05/2020</a:t>
             </a:fld>
             <a:endParaRPr lang="nl-BE"/>
           </a:p>
@@ -5351,22 +5375,14 @@
           <a:p>
             <a:r>
               <a:rPr lang="en-GB" dirty="0"/>
-              <a:t>Start explicitly </a:t>
-            </a:r>
-            <a:r>
-              <a:rPr lang="en-GB"/>
-              <a:t>with Run</a:t>
+              <a:t>Start explicitly with Run</a:t>
             </a:r>
           </a:p>
           <a:p>
             <a:pPr lvl="1"/>
             <a:r>
-              <a:rPr lang="en-GB"/>
-              <a:t>powershell.exe </a:t>
-            </a:r>
-            <a:r>
               <a:rPr lang="en-GB" dirty="0"/>
-              <a:t>–</a:t>
+              <a:t>powershell.exe –</a:t>
             </a:r>
             <a:r>
               <a:rPr lang="en-GB" dirty="0" err="1"/>
@@ -9504,7 +9520,22 @@
             <a:pPr lvl="1"/>
             <a:r>
               <a:rPr lang="en-US" dirty="0"/>
-              <a:t>Ok to use: Write-Error and Write-Verbose</a:t>
+              <a:t>Ok to use: Write </a:t>
+            </a:r>
+            <a:r>
+              <a:rPr lang="en-US" dirty="0" err="1"/>
+              <a:t>debub</a:t>
+            </a:r>
+            <a:r>
+              <a:rPr lang="en-US" dirty="0"/>
+              <a:t>, Write-Error and</a:t>
+            </a:r>
+            <a:br>
+              <a:rPr lang="en-US" dirty="0"/>
+            </a:br>
+            <a:r>
+              <a:rPr lang="en-US" dirty="0"/>
+              <a:t>Write-Verbose</a:t>
             </a:r>
           </a:p>
         </p:txBody>

--- a/3 - On scripts.pptx
+++ b/3 - On scripts.pptx
@@ -247,6 +247,53 @@
     </pc:docChg>
   </pc:docChgLst>
   <pc:docChgLst>
+    <pc:chgData name="Jochen Mariën" userId="a4f8d9ed-3895-4365-b2d5-9432cb8a20d4" providerId="ADAL" clId="{64A2BAB4-CC0B-424A-98F4-BD5B587A787F}"/>
+    <pc:docChg chg="undo custSel modSld">
+      <pc:chgData name="Jochen Mariën" userId="a4f8d9ed-3895-4365-b2d5-9432cb8a20d4" providerId="ADAL" clId="{64A2BAB4-CC0B-424A-98F4-BD5B587A787F}" dt="2020-10-08T13:02:49.115" v="17" actId="20577"/>
+      <pc:docMkLst>
+        <pc:docMk/>
+      </pc:docMkLst>
+      <pc:sldChg chg="modSp mod">
+        <pc:chgData name="Jochen Mariën" userId="a4f8d9ed-3895-4365-b2d5-9432cb8a20d4" providerId="ADAL" clId="{64A2BAB4-CC0B-424A-98F4-BD5B587A787F}" dt="2020-10-08T12:43:44.841" v="2" actId="20577"/>
+        <pc:sldMkLst>
+          <pc:docMk/>
+          <pc:sldMk cId="1714977735" sldId="309"/>
+        </pc:sldMkLst>
+        <pc:spChg chg="mod">
+          <ac:chgData name="Jochen Mariën" userId="a4f8d9ed-3895-4365-b2d5-9432cb8a20d4" providerId="ADAL" clId="{64A2BAB4-CC0B-424A-98F4-BD5B587A787F}" dt="2020-10-08T12:43:44.841" v="2" actId="20577"/>
+          <ac:spMkLst>
+            <pc:docMk/>
+            <pc:sldMk cId="1714977735" sldId="309"/>
+            <ac:spMk id="3" creationId="{00000000-0000-0000-0000-000000000000}"/>
+          </ac:spMkLst>
+        </pc:spChg>
+      </pc:sldChg>
+      <pc:sldChg chg="modSp mod">
+        <pc:chgData name="Jochen Mariën" userId="a4f8d9ed-3895-4365-b2d5-9432cb8a20d4" providerId="ADAL" clId="{64A2BAB4-CC0B-424A-98F4-BD5B587A787F}" dt="2020-10-08T13:02:49.115" v="17" actId="20577"/>
+        <pc:sldMkLst>
+          <pc:docMk/>
+          <pc:sldMk cId="888244742" sldId="318"/>
+        </pc:sldMkLst>
+        <pc:spChg chg="mod">
+          <ac:chgData name="Jochen Mariën" userId="a4f8d9ed-3895-4365-b2d5-9432cb8a20d4" providerId="ADAL" clId="{64A2BAB4-CC0B-424A-98F4-BD5B587A787F}" dt="2020-10-08T13:02:49.115" v="17" actId="20577"/>
+          <ac:spMkLst>
+            <pc:docMk/>
+            <pc:sldMk cId="888244742" sldId="318"/>
+            <ac:spMk id="3" creationId="{00000000-0000-0000-0000-000000000000}"/>
+          </ac:spMkLst>
+        </pc:spChg>
+        <pc:spChg chg="mod">
+          <ac:chgData name="Jochen Mariën" userId="a4f8d9ed-3895-4365-b2d5-9432cb8a20d4" providerId="ADAL" clId="{64A2BAB4-CC0B-424A-98F4-BD5B587A787F}" dt="2020-10-08T13:00:08.264" v="15" actId="20577"/>
+          <ac:spMkLst>
+            <pc:docMk/>
+            <pc:sldMk cId="888244742" sldId="318"/>
+            <ac:spMk id="4" creationId="{00000000-0000-0000-0000-000000000000}"/>
+          </ac:spMkLst>
+        </pc:spChg>
+      </pc:sldChg>
+    </pc:docChg>
+  </pc:docChgLst>
+  <pc:docChgLst>
     <pc:chgData name="Jochen Mariën" userId="a4f8d9ed-3895-4365-b2d5-9432cb8a20d4" providerId="ADAL" clId="{9C707373-82CA-4D54-95AD-D3C868EBEA6B}"/>
     <pc:docChg chg="modSld">
       <pc:chgData name="Jochen Mariën" userId="a4f8d9ed-3895-4365-b2d5-9432cb8a20d4" providerId="ADAL" clId="{9C707373-82CA-4D54-95AD-D3C868EBEA6B}" dt="2020-05-14T07:36:10.818" v="16" actId="20577"/>
@@ -355,7 +402,7 @@
           <a:p>
             <a:fld id="{D44263F0-A5A9-41B6-B682-E0E7AF475E79}" type="datetimeFigureOut">
               <a:rPr lang="nl-BE" smtClean="0"/>
-              <a:t>14/05/2020</a:t>
+              <a:t>8/10/2020</a:t>
             </a:fld>
             <a:endParaRPr lang="nl-BE"/>
           </a:p>
@@ -1607,7 +1654,7 @@
           <a:p>
             <a:fld id="{F47C08B3-015B-44BE-B397-EC898F227802}" type="datetimeFigureOut">
               <a:rPr lang="nl-BE" smtClean="0"/>
-              <a:t>14/05/2020</a:t>
+              <a:t>8/10/2020</a:t>
             </a:fld>
             <a:endParaRPr lang="nl-BE"/>
           </a:p>
@@ -1777,7 +1824,7 @@
           <a:p>
             <a:fld id="{F47C08B3-015B-44BE-B397-EC898F227802}" type="datetimeFigureOut">
               <a:rPr lang="nl-BE" smtClean="0"/>
-              <a:t>14/05/2020</a:t>
+              <a:t>8/10/2020</a:t>
             </a:fld>
             <a:endParaRPr lang="nl-BE"/>
           </a:p>
@@ -1957,7 +2004,7 @@
           <a:p>
             <a:fld id="{F47C08B3-015B-44BE-B397-EC898F227802}" type="datetimeFigureOut">
               <a:rPr lang="nl-BE" smtClean="0"/>
-              <a:t>14/05/2020</a:t>
+              <a:t>8/10/2020</a:t>
             </a:fld>
             <a:endParaRPr lang="nl-BE"/>
           </a:p>
@@ -2471,7 +2518,7 @@
           <a:p>
             <a:fld id="{F47C08B3-015B-44BE-B397-EC898F227802}" type="datetimeFigureOut">
               <a:rPr lang="nl-BE" smtClean="0"/>
-              <a:t>14/05/2020</a:t>
+              <a:t>8/10/2020</a:t>
             </a:fld>
             <a:endParaRPr lang="nl-BE"/>
           </a:p>
@@ -2717,7 +2764,7 @@
           <a:p>
             <a:fld id="{F47C08B3-015B-44BE-B397-EC898F227802}" type="datetimeFigureOut">
               <a:rPr lang="nl-BE" smtClean="0"/>
-              <a:t>14/05/2020</a:t>
+              <a:t>8/10/2020</a:t>
             </a:fld>
             <a:endParaRPr lang="nl-BE"/>
           </a:p>
@@ -2949,7 +2996,7 @@
           <a:p>
             <a:fld id="{F47C08B3-015B-44BE-B397-EC898F227802}" type="datetimeFigureOut">
               <a:rPr lang="nl-BE" smtClean="0"/>
-              <a:t>14/05/2020</a:t>
+              <a:t>8/10/2020</a:t>
             </a:fld>
             <a:endParaRPr lang="nl-BE"/>
           </a:p>
@@ -3316,7 +3363,7 @@
           <a:p>
             <a:fld id="{F47C08B3-015B-44BE-B397-EC898F227802}" type="datetimeFigureOut">
               <a:rPr lang="nl-BE" smtClean="0"/>
-              <a:t>14/05/2020</a:t>
+              <a:t>8/10/2020</a:t>
             </a:fld>
             <a:endParaRPr lang="nl-BE"/>
           </a:p>
@@ -3434,7 +3481,7 @@
           <a:p>
             <a:fld id="{F47C08B3-015B-44BE-B397-EC898F227802}" type="datetimeFigureOut">
               <a:rPr lang="nl-BE" smtClean="0"/>
-              <a:t>14/05/2020</a:t>
+              <a:t>8/10/2020</a:t>
             </a:fld>
             <a:endParaRPr lang="nl-BE"/>
           </a:p>
@@ -3529,7 +3576,7 @@
           <a:p>
             <a:fld id="{F47C08B3-015B-44BE-B397-EC898F227802}" type="datetimeFigureOut">
               <a:rPr lang="nl-BE" smtClean="0"/>
-              <a:t>14/05/2020</a:t>
+              <a:t>8/10/2020</a:t>
             </a:fld>
             <a:endParaRPr lang="nl-BE"/>
           </a:p>
@@ -3806,7 +3853,7 @@
           <a:p>
             <a:fld id="{F47C08B3-015B-44BE-B397-EC898F227802}" type="datetimeFigureOut">
               <a:rPr lang="nl-BE" smtClean="0"/>
-              <a:t>14/05/2020</a:t>
+              <a:t>8/10/2020</a:t>
             </a:fld>
             <a:endParaRPr lang="nl-BE"/>
           </a:p>
@@ -4063,7 +4110,7 @@
           <a:p>
             <a:fld id="{F47C08B3-015B-44BE-B397-EC898F227802}" type="datetimeFigureOut">
               <a:rPr lang="nl-BE" smtClean="0"/>
-              <a:t>14/05/2020</a:t>
+              <a:t>8/10/2020</a:t>
             </a:fld>
             <a:endParaRPr lang="nl-BE"/>
           </a:p>
@@ -4276,7 +4323,7 @@
           <a:p>
             <a:fld id="{F47C08B3-015B-44BE-B397-EC898F227802}" type="datetimeFigureOut">
               <a:rPr lang="nl-BE" smtClean="0"/>
-              <a:t>14/05/2020</a:t>
+              <a:t>8/10/2020</a:t>
             </a:fld>
             <a:endParaRPr lang="nl-BE"/>
           </a:p>
@@ -5635,7 +5682,7 @@
             </a:r>
             <a:r>
               <a:rPr lang="nl-BE" dirty="0"/>
-              <a:t> open en new CLI (</a:t>
+              <a:t> open a new CLI (</a:t>
             </a:r>
             <a:r>
               <a:rPr lang="nl-BE" dirty="0" err="1"/>
@@ -9288,11 +9335,7 @@
             <a:pPr lvl="1"/>
             <a:r>
               <a:rPr lang="en-GB" dirty="0"/>
-              <a:t>By using a colon between the switch-name and the </a:t>
-            </a:r>
-            <a:r>
-              <a:rPr lang="en-GB"/>
-              <a:t>$false</a:t>
+              <a:t>By using a colon between the switch-name and the $false</a:t>
             </a:r>
           </a:p>
           <a:p>
@@ -9520,15 +9563,15 @@
             <a:pPr lvl="1"/>
             <a:r>
               <a:rPr lang="en-US" dirty="0"/>
-              <a:t>Ok to use: Write </a:t>
-            </a:r>
-            <a:r>
-              <a:rPr lang="en-US" dirty="0" err="1"/>
-              <a:t>debub</a:t>
+              <a:t>Ok to use: </a:t>
+            </a:r>
+            <a:r>
+              <a:rPr lang="en-US"/>
+              <a:t>Write debug, </a:t>
             </a:r>
             <a:r>
               <a:rPr lang="en-US" dirty="0"/>
-              <a:t>, Write-Error and</a:t>
+              <a:t>Write-Error and</a:t>
             </a:r>
             <a:br>
               <a:rPr lang="en-US" dirty="0"/>

--- a/3 - On scripts.pptx
+++ b/3 - On scripts.pptx
@@ -317,6 +317,69 @@
       </pc:sldChg>
     </pc:docChg>
   </pc:docChgLst>
+  <pc:docChgLst>
+    <pc:chgData name="Jochen Mariën" userId="a4f8d9ed-3895-4365-b2d5-9432cb8a20d4" providerId="ADAL" clId="{091F7409-83DF-4BD3-A60C-98B814F6C256}"/>
+    <pc:docChg chg="custSel modSld">
+      <pc:chgData name="Jochen Mariën" userId="a4f8d9ed-3895-4365-b2d5-9432cb8a20d4" providerId="ADAL" clId="{091F7409-83DF-4BD3-A60C-98B814F6C256}" dt="2021-01-15T12:51:44.285" v="6" actId="20577"/>
+      <pc:docMkLst>
+        <pc:docMk/>
+      </pc:docMkLst>
+      <pc:sldChg chg="modSp mod">
+        <pc:chgData name="Jochen Mariën" userId="a4f8d9ed-3895-4365-b2d5-9432cb8a20d4" providerId="ADAL" clId="{091F7409-83DF-4BD3-A60C-98B814F6C256}" dt="2021-01-15T12:18:48.956" v="0" actId="33524"/>
+        <pc:sldMkLst>
+          <pc:docMk/>
+          <pc:sldMk cId="3859535742" sldId="307"/>
+        </pc:sldMkLst>
+        <pc:spChg chg="mod">
+          <ac:chgData name="Jochen Mariën" userId="a4f8d9ed-3895-4365-b2d5-9432cb8a20d4" providerId="ADAL" clId="{091F7409-83DF-4BD3-A60C-98B814F6C256}" dt="2021-01-15T12:18:48.956" v="0" actId="33524"/>
+          <ac:spMkLst>
+            <pc:docMk/>
+            <pc:sldMk cId="3859535742" sldId="307"/>
+            <ac:spMk id="3" creationId="{00000000-0000-0000-0000-000000000000}"/>
+          </ac:spMkLst>
+        </pc:spChg>
+      </pc:sldChg>
+      <pc:sldChg chg="modSp mod">
+        <pc:chgData name="Jochen Mariën" userId="a4f8d9ed-3895-4365-b2d5-9432cb8a20d4" providerId="ADAL" clId="{091F7409-83DF-4BD3-A60C-98B814F6C256}" dt="2021-01-15T12:51:44.285" v="6" actId="20577"/>
+        <pc:sldMkLst>
+          <pc:docMk/>
+          <pc:sldMk cId="888244742" sldId="318"/>
+        </pc:sldMkLst>
+        <pc:spChg chg="mod">
+          <ac:chgData name="Jochen Mariën" userId="a4f8d9ed-3895-4365-b2d5-9432cb8a20d4" providerId="ADAL" clId="{091F7409-83DF-4BD3-A60C-98B814F6C256}" dt="2021-01-15T12:51:44.285" v="6" actId="20577"/>
+          <ac:spMkLst>
+            <pc:docMk/>
+            <pc:sldMk cId="888244742" sldId="318"/>
+            <ac:spMk id="3" creationId="{00000000-0000-0000-0000-000000000000}"/>
+          </ac:spMkLst>
+        </pc:spChg>
+        <pc:spChg chg="mod">
+          <ac:chgData name="Jochen Mariën" userId="a4f8d9ed-3895-4365-b2d5-9432cb8a20d4" providerId="ADAL" clId="{091F7409-83DF-4BD3-A60C-98B814F6C256}" dt="2021-01-15T12:51:28.584" v="1" actId="20577"/>
+          <ac:spMkLst>
+            <pc:docMk/>
+            <pc:sldMk cId="888244742" sldId="318"/>
+            <ac:spMk id="4" creationId="{00000000-0000-0000-0000-000000000000}"/>
+          </ac:spMkLst>
+        </pc:spChg>
+        <pc:spChg chg="mod">
+          <ac:chgData name="Jochen Mariën" userId="a4f8d9ed-3895-4365-b2d5-9432cb8a20d4" providerId="ADAL" clId="{091F7409-83DF-4BD3-A60C-98B814F6C256}" dt="2021-01-15T12:51:31.789" v="2" actId="20577"/>
+          <ac:spMkLst>
+            <pc:docMk/>
+            <pc:sldMk cId="888244742" sldId="318"/>
+            <ac:spMk id="5" creationId="{00000000-0000-0000-0000-000000000000}"/>
+          </ac:spMkLst>
+        </pc:spChg>
+        <pc:spChg chg="mod">
+          <ac:chgData name="Jochen Mariën" userId="a4f8d9ed-3895-4365-b2d5-9432cb8a20d4" providerId="ADAL" clId="{091F7409-83DF-4BD3-A60C-98B814F6C256}" dt="2021-01-15T12:51:34.292" v="3" actId="20577"/>
+          <ac:spMkLst>
+            <pc:docMk/>
+            <pc:sldMk cId="888244742" sldId="318"/>
+            <ac:spMk id="6" creationId="{00000000-0000-0000-0000-000000000000}"/>
+          </ac:spMkLst>
+        </pc:spChg>
+      </pc:sldChg>
+    </pc:docChg>
+  </pc:docChgLst>
 </pc:chgInfo>
 </file>
 
@@ -402,7 +465,7 @@
           <a:p>
             <a:fld id="{D44263F0-A5A9-41B6-B682-E0E7AF475E79}" type="datetimeFigureOut">
               <a:rPr lang="nl-BE" smtClean="0"/>
-              <a:t>8/10/2020</a:t>
+              <a:t>15/01/2021</a:t>
             </a:fld>
             <a:endParaRPr lang="nl-BE"/>
           </a:p>
@@ -1654,7 +1717,7 @@
           <a:p>
             <a:fld id="{F47C08B3-015B-44BE-B397-EC898F227802}" type="datetimeFigureOut">
               <a:rPr lang="nl-BE" smtClean="0"/>
-              <a:t>8/10/2020</a:t>
+              <a:t>15/01/2021</a:t>
             </a:fld>
             <a:endParaRPr lang="nl-BE"/>
           </a:p>
@@ -1824,7 +1887,7 @@
           <a:p>
             <a:fld id="{F47C08B3-015B-44BE-B397-EC898F227802}" type="datetimeFigureOut">
               <a:rPr lang="nl-BE" smtClean="0"/>
-              <a:t>8/10/2020</a:t>
+              <a:t>15/01/2021</a:t>
             </a:fld>
             <a:endParaRPr lang="nl-BE"/>
           </a:p>
@@ -2004,7 +2067,7 @@
           <a:p>
             <a:fld id="{F47C08B3-015B-44BE-B397-EC898F227802}" type="datetimeFigureOut">
               <a:rPr lang="nl-BE" smtClean="0"/>
-              <a:t>8/10/2020</a:t>
+              <a:t>15/01/2021</a:t>
             </a:fld>
             <a:endParaRPr lang="nl-BE"/>
           </a:p>
@@ -2518,7 +2581,7 @@
           <a:p>
             <a:fld id="{F47C08B3-015B-44BE-B397-EC898F227802}" type="datetimeFigureOut">
               <a:rPr lang="nl-BE" smtClean="0"/>
-              <a:t>8/10/2020</a:t>
+              <a:t>15/01/2021</a:t>
             </a:fld>
             <a:endParaRPr lang="nl-BE"/>
           </a:p>
@@ -2764,7 +2827,7 @@
           <a:p>
             <a:fld id="{F47C08B3-015B-44BE-B397-EC898F227802}" type="datetimeFigureOut">
               <a:rPr lang="nl-BE" smtClean="0"/>
-              <a:t>8/10/2020</a:t>
+              <a:t>15/01/2021</a:t>
             </a:fld>
             <a:endParaRPr lang="nl-BE"/>
           </a:p>
@@ -2996,7 +3059,7 @@
           <a:p>
             <a:fld id="{F47C08B3-015B-44BE-B397-EC898F227802}" type="datetimeFigureOut">
               <a:rPr lang="nl-BE" smtClean="0"/>
-              <a:t>8/10/2020</a:t>
+              <a:t>15/01/2021</a:t>
             </a:fld>
             <a:endParaRPr lang="nl-BE"/>
           </a:p>
@@ -3363,7 +3426,7 @@
           <a:p>
             <a:fld id="{F47C08B3-015B-44BE-B397-EC898F227802}" type="datetimeFigureOut">
               <a:rPr lang="nl-BE" smtClean="0"/>
-              <a:t>8/10/2020</a:t>
+              <a:t>15/01/2021</a:t>
             </a:fld>
             <a:endParaRPr lang="nl-BE"/>
           </a:p>
@@ -3481,7 +3544,7 @@
           <a:p>
             <a:fld id="{F47C08B3-015B-44BE-B397-EC898F227802}" type="datetimeFigureOut">
               <a:rPr lang="nl-BE" smtClean="0"/>
-              <a:t>8/10/2020</a:t>
+              <a:t>15/01/2021</a:t>
             </a:fld>
             <a:endParaRPr lang="nl-BE"/>
           </a:p>
@@ -3576,7 +3639,7 @@
           <a:p>
             <a:fld id="{F47C08B3-015B-44BE-B397-EC898F227802}" type="datetimeFigureOut">
               <a:rPr lang="nl-BE" smtClean="0"/>
-              <a:t>8/10/2020</a:t>
+              <a:t>15/01/2021</a:t>
             </a:fld>
             <a:endParaRPr lang="nl-BE"/>
           </a:p>
@@ -3853,7 +3916,7 @@
           <a:p>
             <a:fld id="{F47C08B3-015B-44BE-B397-EC898F227802}" type="datetimeFigureOut">
               <a:rPr lang="nl-BE" smtClean="0"/>
-              <a:t>8/10/2020</a:t>
+              <a:t>15/01/2021</a:t>
             </a:fld>
             <a:endParaRPr lang="nl-BE"/>
           </a:p>
@@ -4110,7 +4173,7 @@
           <a:p>
             <a:fld id="{F47C08B3-015B-44BE-B397-EC898F227802}" type="datetimeFigureOut">
               <a:rPr lang="nl-BE" smtClean="0"/>
-              <a:t>8/10/2020</a:t>
+              <a:t>15/01/2021</a:t>
             </a:fld>
             <a:endParaRPr lang="nl-BE"/>
           </a:p>
@@ -4323,7 +4386,7 @@
           <a:p>
             <a:fld id="{F47C08B3-015B-44BE-B397-EC898F227802}" type="datetimeFigureOut">
               <a:rPr lang="nl-BE" smtClean="0"/>
-              <a:t>8/10/2020</a:t>
+              <a:t>15/01/2021</a:t>
             </a:fld>
             <a:endParaRPr lang="nl-BE"/>
           </a:p>
@@ -9563,15 +9626,7 @@
             <a:pPr lvl="1"/>
             <a:r>
               <a:rPr lang="en-US" dirty="0"/>
-              <a:t>Ok to use: </a:t>
-            </a:r>
-            <a:r>
-              <a:rPr lang="en-US"/>
-              <a:t>Write debug, </a:t>
-            </a:r>
-            <a:r>
-              <a:rPr lang="en-US" dirty="0"/>
-              <a:t>Write-Error and</a:t>
+              <a:t>Ok to use: Write-Debug, Write-Error and</a:t>
             </a:r>
             <a:br>
               <a:rPr lang="en-US" dirty="0"/>
@@ -9605,10 +9660,6 @@
           <a:lstStyle/>
           <a:p>
             <a:r>
-              <a:rPr lang="en-GB" dirty="0"/>
-              <a:t> </a:t>
-            </a:r>
-            <a:r>
               <a:rPr lang="en-GB" dirty="0">
                 <a:solidFill>
                   <a:srgbClr val="00008B"/>
@@ -9798,10 +9849,6 @@
           <a:lstStyle/>
           <a:p>
             <a:r>
-              <a:rPr lang="en-GB" dirty="0"/>
-              <a:t> </a:t>
-            </a:r>
-            <a:r>
               <a:rPr lang="en-GB" dirty="0">
                 <a:solidFill>
                   <a:srgbClr val="00008B"/>
@@ -10016,10 +10063,6 @@
           </a:bodyPr>
           <a:lstStyle/>
           <a:p>
-            <a:r>
-              <a:rPr lang="en-GB" dirty="0"/>
-              <a:t> </a:t>
-            </a:r>
             <a:r>
               <a:rPr lang="en-GB" dirty="0">
                 <a:solidFill>
@@ -10852,7 +10895,7 @@
             <a:pPr lvl="1"/>
             <a:r>
               <a:rPr lang="en-US" dirty="0"/>
-              <a:t>To run a script that has spaces in it’s name</a:t>
+              <a:t>To run a script that has spaces in its name</a:t>
             </a:r>
           </a:p>
           <a:p>
